--- a/Lesson-6-Software-Engineering/Lesson-6-Software-Engineering.pptx
+++ b/Lesson-6-Software-Engineering/Lesson-6-Software-Engineering.pptx
@@ -6,7 +6,7 @@
     <p:sldMasterId id="2147483671" r:id="rId2"/>
   </p:sldMasterIdLst>
   <p:notesMasterIdLst>
-    <p:notesMasterId r:id="rId29"/>
+    <p:notesMasterId r:id="rId28"/>
   </p:notesMasterIdLst>
   <p:sldIdLst>
     <p:sldId id="256" r:id="rId3"/>
@@ -25,30 +25,29 @@
     <p:sldId id="269" r:id="rId16"/>
     <p:sldId id="270" r:id="rId17"/>
     <p:sldId id="281" r:id="rId18"/>
-    <p:sldId id="271" r:id="rId19"/>
-    <p:sldId id="272" r:id="rId20"/>
-    <p:sldId id="273" r:id="rId21"/>
-    <p:sldId id="274" r:id="rId22"/>
-    <p:sldId id="275" r:id="rId23"/>
-    <p:sldId id="276" r:id="rId24"/>
-    <p:sldId id="277" r:id="rId25"/>
-    <p:sldId id="278" r:id="rId26"/>
-    <p:sldId id="279" r:id="rId27"/>
-    <p:sldId id="280" r:id="rId28"/>
+    <p:sldId id="272" r:id="rId19"/>
+    <p:sldId id="273" r:id="rId20"/>
+    <p:sldId id="274" r:id="rId21"/>
+    <p:sldId id="275" r:id="rId22"/>
+    <p:sldId id="276" r:id="rId23"/>
+    <p:sldId id="277" r:id="rId24"/>
+    <p:sldId id="278" r:id="rId25"/>
+    <p:sldId id="279" r:id="rId26"/>
+    <p:sldId id="280" r:id="rId27"/>
   </p:sldIdLst>
   <p:sldSz cx="9144000" cy="5143500" type="screen16x9"/>
   <p:notesSz cx="6858000" cy="9144000"/>
   <p:embeddedFontLst>
     <p:embeddedFont>
-      <p:font typeface="Francois One" panose="020B0604020202020204" charset="0"/>
-      <p:regular r:id="rId30"/>
+      <p:font typeface="Francois One" panose="02000503040000020004" pitchFamily="2" charset="77"/>
+      <p:regular r:id="rId29"/>
     </p:embeddedFont>
     <p:embeddedFont>
-      <p:font typeface="Roboto" panose="020B0604020202020204" charset="0"/>
-      <p:regular r:id="rId31"/>
-      <p:bold r:id="rId32"/>
-      <p:italic r:id="rId33"/>
-      <p:boldItalic r:id="rId34"/>
+      <p:font typeface="Roboto" panose="02000000000000000000" pitchFamily="2" charset="0"/>
+      <p:regular r:id="rId30"/>
+      <p:bold r:id="rId31"/>
+      <p:italic r:id="rId32"/>
+      <p:boldItalic r:id="rId33"/>
     </p:embeddedFont>
   </p:embeddedFontLst>
   <p:defaultTextStyle>
@@ -1582,110 +1581,6 @@
   <p:cSld>
     <p:spTree>
       <p:nvGrpSpPr>
-        <p:cNvPr id="1" name="Shape 266"/>
-        <p:cNvGrpSpPr/>
-        <p:nvPr/>
-      </p:nvGrpSpPr>
-      <p:grpSpPr>
-        <a:xfrm>
-          <a:off x="0" y="0"/>
-          <a:ext cx="0" cy="0"/>
-          <a:chOff x="0" y="0"/>
-          <a:chExt cx="0" cy="0"/>
-        </a:xfrm>
-      </p:grpSpPr>
-      <p:sp>
-        <p:nvSpPr>
-          <p:cNvPr id="267" name="Google Shape;267;ge1652693ed_0_46:notes"/>
-          <p:cNvSpPr>
-            <a:spLocks noGrp="1" noRot="1" noChangeAspect="1"/>
-          </p:cNvSpPr>
-          <p:nvPr>
-            <p:ph type="sldImg" idx="2"/>
-          </p:nvPr>
-        </p:nvSpPr>
-        <p:spPr>
-          <a:xfrm>
-            <a:off x="381000" y="685800"/>
-            <a:ext cx="6096000" cy="3429000"/>
-          </a:xfrm>
-          <a:custGeom>
-            <a:avLst/>
-            <a:gdLst/>
-            <a:ahLst/>
-            <a:cxnLst/>
-            <a:rect l="l" t="t" r="r" b="b"/>
-            <a:pathLst>
-              <a:path w="120000" h="120000" extrusionOk="0">
-                <a:moveTo>
-                  <a:pt x="0" y="0"/>
-                </a:moveTo>
-                <a:lnTo>
-                  <a:pt x="120000" y="0"/>
-                </a:lnTo>
-                <a:lnTo>
-                  <a:pt x="120000" y="120000"/>
-                </a:lnTo>
-                <a:lnTo>
-                  <a:pt x="0" y="120000"/>
-                </a:lnTo>
-                <a:close/>
-              </a:path>
-            </a:pathLst>
-          </a:custGeom>
-        </p:spPr>
-      </p:sp>
-      <p:sp>
-        <p:nvSpPr>
-          <p:cNvPr id="268" name="Google Shape;268;ge1652693ed_0_46:notes"/>
-          <p:cNvSpPr txBox="1">
-            <a:spLocks noGrp="1"/>
-          </p:cNvSpPr>
-          <p:nvPr>
-            <p:ph type="body" idx="1"/>
-          </p:nvPr>
-        </p:nvSpPr>
-        <p:spPr>
-          <a:xfrm>
-            <a:off x="685800" y="4343400"/>
-            <a:ext cx="5486400" cy="4114800"/>
-          </a:xfrm>
-          <a:prstGeom prst="rect">
-            <a:avLst/>
-          </a:prstGeom>
-        </p:spPr>
-        <p:txBody>
-          <a:bodyPr spcFirstLastPara="1" wrap="square" lIns="91425" tIns="91425" rIns="91425" bIns="91425" anchor="t" anchorCtr="0">
-            <a:noAutofit/>
-          </a:bodyPr>
-          <a:lstStyle/>
-          <a:p>
-            <a:pPr marL="0" lvl="0" indent="0" algn="l" rtl="0">
-              <a:spcBef>
-                <a:spcPts val="0"/>
-              </a:spcBef>
-              <a:spcAft>
-                <a:spcPts val="0"/>
-              </a:spcAft>
-              <a:buNone/>
-            </a:pPr>
-            <a:endParaRPr/>
-          </a:p>
-        </p:txBody>
-      </p:sp>
-    </p:spTree>
-  </p:cSld>
-  <p:clrMapOvr>
-    <a:masterClrMapping/>
-  </p:clrMapOvr>
-</p:notes>
-</file>
-
-<file path=ppt/notesSlides/notesSlide18.xml><?xml version="1.0" encoding="utf-8"?>
-<p:notes xmlns:a="http://schemas.openxmlformats.org/drawingml/2006/main" xmlns:r="http://schemas.openxmlformats.org/officeDocument/2006/relationships" xmlns:p="http://schemas.openxmlformats.org/presentationml/2006/main" showMasterSp="0" showMasterPhAnim="0">
-  <p:cSld>
-    <p:spTree>
-      <p:nvGrpSpPr>
         <p:cNvPr id="1" name="Shape 278"/>
         <p:cNvGrpSpPr/>
         <p:nvPr/>
@@ -1785,7 +1680,7 @@
 </p:notes>
 </file>
 
-<file path=ppt/notesSlides/notesSlide19.xml><?xml version="1.0" encoding="utf-8"?>
+<file path=ppt/notesSlides/notesSlide18.xml><?xml version="1.0" encoding="utf-8"?>
 <p:notes xmlns:a="http://schemas.openxmlformats.org/drawingml/2006/main" xmlns:r="http://schemas.openxmlformats.org/officeDocument/2006/relationships" xmlns:p="http://schemas.openxmlformats.org/presentationml/2006/main" showMasterSp="0" showMasterPhAnim="0">
   <p:cSld>
     <p:spTree>
@@ -1846,6 +1741,110 @@
       <p:sp>
         <p:nvSpPr>
           <p:cNvPr id="291" name="Google Shape;291;ge1652693ed_0_158:notes"/>
+          <p:cNvSpPr txBox="1">
+            <a:spLocks noGrp="1"/>
+          </p:cNvSpPr>
+          <p:nvPr>
+            <p:ph type="body" idx="1"/>
+          </p:nvPr>
+        </p:nvSpPr>
+        <p:spPr>
+          <a:xfrm>
+            <a:off x="685800" y="4343400"/>
+            <a:ext cx="5486400" cy="4114800"/>
+          </a:xfrm>
+          <a:prstGeom prst="rect">
+            <a:avLst/>
+          </a:prstGeom>
+        </p:spPr>
+        <p:txBody>
+          <a:bodyPr spcFirstLastPara="1" wrap="square" lIns="91425" tIns="91425" rIns="91425" bIns="91425" anchor="t" anchorCtr="0">
+            <a:noAutofit/>
+          </a:bodyPr>
+          <a:lstStyle/>
+          <a:p>
+            <a:pPr marL="0" lvl="0" indent="0" algn="l" rtl="0">
+              <a:spcBef>
+                <a:spcPts val="0"/>
+              </a:spcBef>
+              <a:spcAft>
+                <a:spcPts val="0"/>
+              </a:spcAft>
+              <a:buNone/>
+            </a:pPr>
+            <a:endParaRPr/>
+          </a:p>
+        </p:txBody>
+      </p:sp>
+    </p:spTree>
+  </p:cSld>
+  <p:clrMapOvr>
+    <a:masterClrMapping/>
+  </p:clrMapOvr>
+</p:notes>
+</file>
+
+<file path=ppt/notesSlides/notesSlide19.xml><?xml version="1.0" encoding="utf-8"?>
+<p:notes xmlns:a="http://schemas.openxmlformats.org/drawingml/2006/main" xmlns:r="http://schemas.openxmlformats.org/officeDocument/2006/relationships" xmlns:p="http://schemas.openxmlformats.org/presentationml/2006/main" showMasterSp="0" showMasterPhAnim="0">
+  <p:cSld>
+    <p:spTree>
+      <p:nvGrpSpPr>
+        <p:cNvPr id="1" name="Shape 300"/>
+        <p:cNvGrpSpPr/>
+        <p:nvPr/>
+      </p:nvGrpSpPr>
+      <p:grpSpPr>
+        <a:xfrm>
+          <a:off x="0" y="0"/>
+          <a:ext cx="0" cy="0"/>
+          <a:chOff x="0" y="0"/>
+          <a:chExt cx="0" cy="0"/>
+        </a:xfrm>
+      </p:grpSpPr>
+      <p:sp>
+        <p:nvSpPr>
+          <p:cNvPr id="301" name="Google Shape;301;ge1652693ed_0_167:notes"/>
+          <p:cNvSpPr>
+            <a:spLocks noGrp="1" noRot="1" noChangeAspect="1"/>
+          </p:cNvSpPr>
+          <p:nvPr>
+            <p:ph type="sldImg" idx="2"/>
+          </p:nvPr>
+        </p:nvSpPr>
+        <p:spPr>
+          <a:xfrm>
+            <a:off x="381000" y="685800"/>
+            <a:ext cx="6096000" cy="3429000"/>
+          </a:xfrm>
+          <a:custGeom>
+            <a:avLst/>
+            <a:gdLst/>
+            <a:ahLst/>
+            <a:cxnLst/>
+            <a:rect l="l" t="t" r="r" b="b"/>
+            <a:pathLst>
+              <a:path w="120000" h="120000" extrusionOk="0">
+                <a:moveTo>
+                  <a:pt x="0" y="0"/>
+                </a:moveTo>
+                <a:lnTo>
+                  <a:pt x="120000" y="0"/>
+                </a:lnTo>
+                <a:lnTo>
+                  <a:pt x="120000" y="120000"/>
+                </a:lnTo>
+                <a:lnTo>
+                  <a:pt x="0" y="120000"/>
+                </a:lnTo>
+                <a:close/>
+              </a:path>
+            </a:pathLst>
+          </a:custGeom>
+        </p:spPr>
+      </p:sp>
+      <p:sp>
+        <p:nvSpPr>
+          <p:cNvPr id="302" name="Google Shape;302;ge1652693ed_0_167:notes"/>
           <p:cNvSpPr txBox="1">
             <a:spLocks noGrp="1"/>
           </p:cNvSpPr>
@@ -2036,110 +2035,6 @@
   <p:cSld>
     <p:spTree>
       <p:nvGrpSpPr>
-        <p:cNvPr id="1" name="Shape 300"/>
-        <p:cNvGrpSpPr/>
-        <p:nvPr/>
-      </p:nvGrpSpPr>
-      <p:grpSpPr>
-        <a:xfrm>
-          <a:off x="0" y="0"/>
-          <a:ext cx="0" cy="0"/>
-          <a:chOff x="0" y="0"/>
-          <a:chExt cx="0" cy="0"/>
-        </a:xfrm>
-      </p:grpSpPr>
-      <p:sp>
-        <p:nvSpPr>
-          <p:cNvPr id="301" name="Google Shape;301;ge1652693ed_0_167:notes"/>
-          <p:cNvSpPr>
-            <a:spLocks noGrp="1" noRot="1" noChangeAspect="1"/>
-          </p:cNvSpPr>
-          <p:nvPr>
-            <p:ph type="sldImg" idx="2"/>
-          </p:nvPr>
-        </p:nvSpPr>
-        <p:spPr>
-          <a:xfrm>
-            <a:off x="381000" y="685800"/>
-            <a:ext cx="6096000" cy="3429000"/>
-          </a:xfrm>
-          <a:custGeom>
-            <a:avLst/>
-            <a:gdLst/>
-            <a:ahLst/>
-            <a:cxnLst/>
-            <a:rect l="l" t="t" r="r" b="b"/>
-            <a:pathLst>
-              <a:path w="120000" h="120000" extrusionOk="0">
-                <a:moveTo>
-                  <a:pt x="0" y="0"/>
-                </a:moveTo>
-                <a:lnTo>
-                  <a:pt x="120000" y="0"/>
-                </a:lnTo>
-                <a:lnTo>
-                  <a:pt x="120000" y="120000"/>
-                </a:lnTo>
-                <a:lnTo>
-                  <a:pt x="0" y="120000"/>
-                </a:lnTo>
-                <a:close/>
-              </a:path>
-            </a:pathLst>
-          </a:custGeom>
-        </p:spPr>
-      </p:sp>
-      <p:sp>
-        <p:nvSpPr>
-          <p:cNvPr id="302" name="Google Shape;302;ge1652693ed_0_167:notes"/>
-          <p:cNvSpPr txBox="1">
-            <a:spLocks noGrp="1"/>
-          </p:cNvSpPr>
-          <p:nvPr>
-            <p:ph type="body" idx="1"/>
-          </p:nvPr>
-        </p:nvSpPr>
-        <p:spPr>
-          <a:xfrm>
-            <a:off x="685800" y="4343400"/>
-            <a:ext cx="5486400" cy="4114800"/>
-          </a:xfrm>
-          <a:prstGeom prst="rect">
-            <a:avLst/>
-          </a:prstGeom>
-        </p:spPr>
-        <p:txBody>
-          <a:bodyPr spcFirstLastPara="1" wrap="square" lIns="91425" tIns="91425" rIns="91425" bIns="91425" anchor="t" anchorCtr="0">
-            <a:noAutofit/>
-          </a:bodyPr>
-          <a:lstStyle/>
-          <a:p>
-            <a:pPr marL="0" lvl="0" indent="0" algn="l" rtl="0">
-              <a:spcBef>
-                <a:spcPts val="0"/>
-              </a:spcBef>
-              <a:spcAft>
-                <a:spcPts val="0"/>
-              </a:spcAft>
-              <a:buNone/>
-            </a:pPr>
-            <a:endParaRPr/>
-          </a:p>
-        </p:txBody>
-      </p:sp>
-    </p:spTree>
-  </p:cSld>
-  <p:clrMapOvr>
-    <a:masterClrMapping/>
-  </p:clrMapOvr>
-</p:notes>
-</file>
-
-<file path=ppt/notesSlides/notesSlide21.xml><?xml version="1.0" encoding="utf-8"?>
-<p:notes xmlns:a="http://schemas.openxmlformats.org/drawingml/2006/main" xmlns:r="http://schemas.openxmlformats.org/officeDocument/2006/relationships" xmlns:p="http://schemas.openxmlformats.org/presentationml/2006/main" showMasterSp="0" showMasterPhAnim="0">
-  <p:cSld>
-    <p:spTree>
-      <p:nvGrpSpPr>
         <p:cNvPr id="1" name="Shape 310"/>
         <p:cNvGrpSpPr/>
         <p:nvPr/>
@@ -2268,7 +2163,7 @@
 </p:notes>
 </file>
 
-<file path=ppt/notesSlides/notesSlide22.xml><?xml version="1.0" encoding="utf-8"?>
+<file path=ppt/notesSlides/notesSlide21.xml><?xml version="1.0" encoding="utf-8"?>
 <p:notes xmlns:a="http://schemas.openxmlformats.org/drawingml/2006/main" xmlns:r="http://schemas.openxmlformats.org/officeDocument/2006/relationships" xmlns:p="http://schemas.openxmlformats.org/presentationml/2006/main" showMasterSp="0" showMasterPhAnim="0">
   <p:cSld>
     <p:spTree>
@@ -2372,7 +2267,7 @@
 </p:notes>
 </file>
 
-<file path=ppt/notesSlides/notesSlide23.xml><?xml version="1.0" encoding="utf-8"?>
+<file path=ppt/notesSlides/notesSlide22.xml><?xml version="1.0" encoding="utf-8"?>
 <p:notes xmlns:a="http://schemas.openxmlformats.org/drawingml/2006/main" xmlns:r="http://schemas.openxmlformats.org/officeDocument/2006/relationships" xmlns:p="http://schemas.openxmlformats.org/presentationml/2006/main" showMasterSp="0" showMasterPhAnim="0">
   <p:cSld>
     <p:spTree>
@@ -2476,7 +2371,7 @@
 </p:notes>
 </file>
 
-<file path=ppt/notesSlides/notesSlide24.xml><?xml version="1.0" encoding="utf-8"?>
+<file path=ppt/notesSlides/notesSlide23.xml><?xml version="1.0" encoding="utf-8"?>
 <p:notes xmlns:a="http://schemas.openxmlformats.org/drawingml/2006/main" xmlns:r="http://schemas.openxmlformats.org/officeDocument/2006/relationships" xmlns:p="http://schemas.openxmlformats.org/presentationml/2006/main" showMasterSp="0" showMasterPhAnim="0">
   <p:cSld>
     <p:spTree>
@@ -2580,7 +2475,7 @@
 </p:notes>
 </file>
 
-<file path=ppt/notesSlides/notesSlide25.xml><?xml version="1.0" encoding="utf-8"?>
+<file path=ppt/notesSlides/notesSlide24.xml><?xml version="1.0" encoding="utf-8"?>
 <p:notes xmlns:a="http://schemas.openxmlformats.org/drawingml/2006/main" xmlns:r="http://schemas.openxmlformats.org/officeDocument/2006/relationships" xmlns:p="http://schemas.openxmlformats.org/presentationml/2006/main" showMasterSp="0" showMasterPhAnim="0">
   <p:cSld>
     <p:spTree>
@@ -2684,7 +2579,7 @@
 </p:notes>
 </file>
 
-<file path=ppt/notesSlides/notesSlide26.xml><?xml version="1.0" encoding="utf-8"?>
+<file path=ppt/notesSlides/notesSlide25.xml><?xml version="1.0" encoding="utf-8"?>
 <p:notes xmlns:a="http://schemas.openxmlformats.org/drawingml/2006/main" xmlns:r="http://schemas.openxmlformats.org/officeDocument/2006/relationships" xmlns:p="http://schemas.openxmlformats.org/presentationml/2006/main" showMasterSp="0" showMasterPhAnim="0">
   <p:cSld>
     <p:spTree>
@@ -14556,7 +14451,7 @@
         </p:nvGraphicFramePr>
         <p:xfrm>
           <a:off x="752700" y="1539850"/>
-          <a:ext cx="3000000" cy="3000000"/>
+          <a:ext cx="7638600" cy="2133500"/>
         </p:xfrm>
         <a:graphic>
           <a:graphicData uri="http://schemas.openxmlformats.org/drawingml/2006/table">
@@ -17622,437 +17517,6 @@
   <p:cSld>
     <p:spTree>
       <p:nvGrpSpPr>
-        <p:cNvPr id="1" name="Shape 269"/>
-        <p:cNvGrpSpPr/>
-        <p:nvPr/>
-      </p:nvGrpSpPr>
-      <p:grpSpPr>
-        <a:xfrm>
-          <a:off x="0" y="0"/>
-          <a:ext cx="0" cy="0"/>
-          <a:chOff x="0" y="0"/>
-          <a:chExt cx="0" cy="0"/>
-        </a:xfrm>
-      </p:grpSpPr>
-      <p:sp>
-        <p:nvSpPr>
-          <p:cNvPr id="270" name="Google Shape;270;p40"/>
-          <p:cNvSpPr txBox="1">
-            <a:spLocks noGrp="1"/>
-          </p:cNvSpPr>
-          <p:nvPr>
-            <p:ph type="title"/>
-          </p:nvPr>
-        </p:nvSpPr>
-        <p:spPr>
-          <a:xfrm>
-            <a:off x="311700" y="445025"/>
-            <a:ext cx="8520600" cy="572700"/>
-          </a:xfrm>
-          <a:prstGeom prst="rect">
-            <a:avLst/>
-          </a:prstGeom>
-        </p:spPr>
-        <p:txBody>
-          <a:bodyPr spcFirstLastPara="1" wrap="square" lIns="91425" tIns="91425" rIns="91425" bIns="91425" anchor="t" anchorCtr="0">
-            <a:noAutofit/>
-          </a:bodyPr>
-          <a:lstStyle/>
-          <a:p>
-            <a:pPr marL="0" lvl="0" indent="0" algn="l" rtl="0">
-              <a:spcBef>
-                <a:spcPts val="0"/>
-              </a:spcBef>
-              <a:spcAft>
-                <a:spcPts val="0"/>
-              </a:spcAft>
-              <a:buClr>
-                <a:schemeClr val="dk1"/>
-              </a:buClr>
-              <a:buSzPts val="1100"/>
-              <a:buFont typeface="Arial"/>
-              <a:buNone/>
-            </a:pPr>
-            <a:r>
-              <a:rPr lang="en-GB"/>
-              <a:t>Activity 06.01 - User Stories</a:t>
-            </a:r>
-            <a:endParaRPr>
-              <a:solidFill>
-                <a:srgbClr val="25326F"/>
-              </a:solidFill>
-              <a:latin typeface="Francois One"/>
-              <a:ea typeface="Francois One"/>
-              <a:cs typeface="Francois One"/>
-              <a:sym typeface="Francois One"/>
-            </a:endParaRPr>
-          </a:p>
-        </p:txBody>
-      </p:sp>
-      <p:sp>
-        <p:nvSpPr>
-          <p:cNvPr id="271" name="Google Shape;271;p40"/>
-          <p:cNvSpPr/>
-          <p:nvPr/>
-        </p:nvSpPr>
-        <p:spPr>
-          <a:xfrm>
-            <a:off x="-6215" y="0"/>
-            <a:ext cx="9162000" cy="74400"/>
-          </a:xfrm>
-          <a:prstGeom prst="rect">
-            <a:avLst/>
-          </a:prstGeom>
-          <a:solidFill>
-            <a:srgbClr val="30DDAE"/>
-          </a:solidFill>
-          <a:ln>
-            <a:noFill/>
-          </a:ln>
-        </p:spPr>
-        <p:txBody>
-          <a:bodyPr spcFirstLastPara="1" wrap="square" lIns="91425" tIns="91425" rIns="91425" bIns="91425" anchor="ctr" anchorCtr="0">
-            <a:noAutofit/>
-          </a:bodyPr>
-          <a:lstStyle/>
-          <a:p>
-            <a:pPr marL="0" lvl="0" indent="0" algn="l" rtl="0">
-              <a:spcBef>
-                <a:spcPts val="0"/>
-              </a:spcBef>
-              <a:spcAft>
-                <a:spcPts val="0"/>
-              </a:spcAft>
-              <a:buNone/>
-            </a:pPr>
-            <a:endParaRPr>
-              <a:solidFill>
-                <a:srgbClr val="30DDAE"/>
-              </a:solidFill>
-            </a:endParaRPr>
-          </a:p>
-        </p:txBody>
-      </p:sp>
-      <p:grpSp>
-        <p:nvGrpSpPr>
-          <p:cNvPr id="272" name="Google Shape;272;p40"/>
-          <p:cNvGrpSpPr/>
-          <p:nvPr/>
-        </p:nvGrpSpPr>
-        <p:grpSpPr>
-          <a:xfrm>
-            <a:off x="7984201" y="4195474"/>
-            <a:ext cx="884557" cy="861343"/>
-            <a:chOff x="7984201" y="4195474"/>
-            <a:chExt cx="884557" cy="861343"/>
-          </a:xfrm>
-        </p:grpSpPr>
-        <p:sp>
-          <p:nvSpPr>
-            <p:cNvPr id="273" name="Google Shape;273;p40"/>
-            <p:cNvSpPr txBox="1"/>
-            <p:nvPr/>
-          </p:nvSpPr>
-          <p:spPr>
-            <a:xfrm>
-              <a:off x="8320058" y="4663217"/>
-              <a:ext cx="548700" cy="393600"/>
-            </a:xfrm>
-            <a:prstGeom prst="rect">
-              <a:avLst/>
-            </a:prstGeom>
-            <a:noFill/>
-            <a:ln>
-              <a:noFill/>
-            </a:ln>
-          </p:spPr>
-          <p:txBody>
-            <a:bodyPr spcFirstLastPara="1" wrap="square" lIns="91425" tIns="91425" rIns="91425" bIns="91425" anchor="ctr" anchorCtr="0">
-              <a:noAutofit/>
-            </a:bodyPr>
-            <a:lstStyle/>
-            <a:p>
-              <a:pPr marL="0" lvl="0" indent="0" algn="r" rtl="0">
-                <a:spcBef>
-                  <a:spcPts val="0"/>
-                </a:spcBef>
-                <a:spcAft>
-                  <a:spcPts val="0"/>
-                </a:spcAft>
-                <a:buNone/>
-              </a:pPr>
-              <a:fld id="{00000000-1234-1234-1234-123412341234}" type="slidenum">
-                <a:rPr lang="en-GB" sz="1000" b="1">
-                  <a:solidFill>
-                    <a:srgbClr val="032F62"/>
-                  </a:solidFill>
-                  <a:latin typeface="Francois One"/>
-                  <a:ea typeface="Francois One"/>
-                  <a:cs typeface="Francois One"/>
-                  <a:sym typeface="Francois One"/>
-                </a:rPr>
-                <a:t>17</a:t>
-              </a:fld>
-              <a:endParaRPr sz="1000" b="1">
-                <a:solidFill>
-                  <a:srgbClr val="032F62"/>
-                </a:solidFill>
-                <a:latin typeface="Francois One"/>
-                <a:ea typeface="Francois One"/>
-                <a:cs typeface="Francois One"/>
-                <a:sym typeface="Francois One"/>
-              </a:endParaRPr>
-            </a:p>
-          </p:txBody>
-        </p:sp>
-        <p:pic>
-          <p:nvPicPr>
-            <p:cNvPr id="274" name="Google Shape;274;p40"/>
-            <p:cNvPicPr preferRelativeResize="0"/>
-            <p:nvPr/>
-          </p:nvPicPr>
-          <p:blipFill rotWithShape="1">
-            <a:blip r:embed="rId3">
-              <a:alphaModFix/>
-            </a:blip>
-            <a:srcRect b="19478"/>
-            <a:stretch/>
-          </p:blipFill>
-          <p:spPr>
-            <a:xfrm>
-              <a:off x="7984201" y="4195474"/>
-              <a:ext cx="757577" cy="753053"/>
-            </a:xfrm>
-            <a:prstGeom prst="rect">
-              <a:avLst/>
-            </a:prstGeom>
-            <a:noFill/>
-            <a:ln>
-              <a:noFill/>
-            </a:ln>
-          </p:spPr>
-        </p:pic>
-      </p:grpSp>
-      <p:sp>
-        <p:nvSpPr>
-          <p:cNvPr id="275" name="Google Shape;275;p40"/>
-          <p:cNvSpPr txBox="1"/>
-          <p:nvPr/>
-        </p:nvSpPr>
-        <p:spPr>
-          <a:xfrm>
-            <a:off x="471900" y="1157075"/>
-            <a:ext cx="8360400" cy="2710200"/>
-          </a:xfrm>
-          <a:prstGeom prst="rect">
-            <a:avLst/>
-          </a:prstGeom>
-          <a:noFill/>
-          <a:ln>
-            <a:noFill/>
-          </a:ln>
-        </p:spPr>
-        <p:txBody>
-          <a:bodyPr spcFirstLastPara="1" wrap="square" lIns="91425" tIns="91425" rIns="91425" bIns="91425" anchor="t" anchorCtr="0">
-            <a:noAutofit/>
-          </a:bodyPr>
-          <a:lstStyle/>
-          <a:p>
-            <a:pPr marL="0" lvl="0" indent="0" algn="l" rtl="0">
-              <a:lnSpc>
-                <a:spcPct val="115000"/>
-              </a:lnSpc>
-              <a:spcBef>
-                <a:spcPts val="0"/>
-              </a:spcBef>
-              <a:spcAft>
-                <a:spcPts val="0"/>
-              </a:spcAft>
-              <a:buNone/>
-            </a:pPr>
-            <a:r>
-              <a:rPr lang="en-GB" sz="1800">
-                <a:solidFill>
-                  <a:schemeClr val="dk2"/>
-                </a:solidFill>
-                <a:latin typeface="Roboto"/>
-                <a:ea typeface="Roboto"/>
-                <a:cs typeface="Roboto"/>
-                <a:sym typeface="Roboto"/>
-              </a:rPr>
-              <a:t>Users are central to creating epics and user stories. Since you are all students, you are perfectly placed to write user stories about an online timetable application. Interview your classmates to determine what should be included in such a website.</a:t>
-            </a:r>
-            <a:endParaRPr sz="1800">
-              <a:solidFill>
-                <a:schemeClr val="dk2"/>
-              </a:solidFill>
-              <a:latin typeface="Roboto"/>
-              <a:ea typeface="Roboto"/>
-              <a:cs typeface="Roboto"/>
-              <a:sym typeface="Roboto"/>
-            </a:endParaRPr>
-          </a:p>
-          <a:p>
-            <a:pPr marL="0" lvl="0" indent="0" algn="l" rtl="0">
-              <a:lnSpc>
-                <a:spcPct val="115000"/>
-              </a:lnSpc>
-              <a:spcBef>
-                <a:spcPts val="0"/>
-              </a:spcBef>
-              <a:spcAft>
-                <a:spcPts val="0"/>
-              </a:spcAft>
-              <a:buNone/>
-            </a:pPr>
-            <a:endParaRPr>
-              <a:solidFill>
-                <a:schemeClr val="dk2"/>
-              </a:solidFill>
-              <a:latin typeface="Roboto"/>
-              <a:ea typeface="Roboto"/>
-              <a:cs typeface="Roboto"/>
-              <a:sym typeface="Roboto"/>
-            </a:endParaRPr>
-          </a:p>
-        </p:txBody>
-      </p:sp>
-      <p:pic>
-        <p:nvPicPr>
-          <p:cNvPr id="276" name="Google Shape;276;p40"/>
-          <p:cNvPicPr preferRelativeResize="0"/>
-          <p:nvPr/>
-        </p:nvPicPr>
-        <p:blipFill>
-          <a:blip r:embed="rId4">
-            <a:alphaModFix/>
-          </a:blip>
-          <a:stretch>
-            <a:fillRect/>
-          </a:stretch>
-        </p:blipFill>
-        <p:spPr>
-          <a:xfrm>
-            <a:off x="3227949" y="2244500"/>
-            <a:ext cx="2688100" cy="1993725"/>
-          </a:xfrm>
-          <a:prstGeom prst="rect">
-            <a:avLst/>
-          </a:prstGeom>
-          <a:noFill/>
-          <a:ln w="9525" cap="flat" cmpd="sng">
-            <a:solidFill>
-              <a:schemeClr val="dk2"/>
-            </a:solidFill>
-            <a:prstDash val="solid"/>
-            <a:round/>
-            <a:headEnd type="none" w="sm" len="sm"/>
-            <a:tailEnd type="none" w="sm" len="sm"/>
-          </a:ln>
-        </p:spPr>
-      </p:pic>
-      <p:sp>
-        <p:nvSpPr>
-          <p:cNvPr id="277" name="Google Shape;277;p40"/>
-          <p:cNvSpPr txBox="1"/>
-          <p:nvPr/>
-        </p:nvSpPr>
-        <p:spPr>
-          <a:xfrm>
-            <a:off x="380850" y="4162025"/>
-            <a:ext cx="8382300" cy="943818"/>
-          </a:xfrm>
-          <a:prstGeom prst="rect">
-            <a:avLst/>
-          </a:prstGeom>
-          <a:noFill/>
-          <a:ln>
-            <a:noFill/>
-          </a:ln>
-        </p:spPr>
-        <p:txBody>
-          <a:bodyPr spcFirstLastPara="1" wrap="square" lIns="91425" tIns="91425" rIns="91425" bIns="91425" anchor="t" anchorCtr="0">
-            <a:spAutoFit/>
-          </a:bodyPr>
-          <a:lstStyle/>
-          <a:p>
-            <a:pPr marL="0" lvl="0" indent="0" algn="ctr" rtl="0">
-              <a:spcBef>
-                <a:spcPts val="0"/>
-              </a:spcBef>
-              <a:spcAft>
-                <a:spcPts val="1600"/>
-              </a:spcAft>
-              <a:buNone/>
-            </a:pPr>
-            <a:r>
-              <a:rPr lang="en-GB" sz="1800" dirty="0">
-                <a:solidFill>
-                  <a:srgbClr val="595959"/>
-                </a:solidFill>
-                <a:latin typeface="Roboto"/>
-                <a:ea typeface="Roboto"/>
-                <a:cs typeface="Roboto"/>
-                <a:sym typeface="Roboto"/>
-              </a:rPr>
-              <a:t>Complete Repl.it Activity:</a:t>
-            </a:r>
-            <a:br>
-              <a:rPr lang="en-GB" sz="1800" dirty="0">
-                <a:latin typeface="Roboto"/>
-                <a:ea typeface="Roboto"/>
-                <a:cs typeface="Roboto"/>
-                <a:sym typeface="Roboto"/>
-              </a:rPr>
-            </a:br>
-            <a:r>
-              <a:rPr lang="en-GB" sz="1800" u="sng" dirty="0">
-                <a:solidFill>
-                  <a:schemeClr val="hlink"/>
-                </a:solidFill>
-                <a:latin typeface="Roboto"/>
-                <a:ea typeface="Roboto"/>
-                <a:cs typeface="Roboto"/>
-                <a:sym typeface="Roboto"/>
-                <a:hlinkClick r:id="rId5"/>
-              </a:rPr>
-              <a:t>06.01 - </a:t>
-            </a:r>
-            <a:r>
-              <a:rPr lang="en-GB" sz="1800" u="sng" dirty="0">
-                <a:solidFill>
-                  <a:schemeClr val="hlink"/>
-                </a:solidFill>
-                <a:latin typeface="Roboto"/>
-                <a:ea typeface="Roboto"/>
-                <a:cs typeface="Roboto"/>
-                <a:sym typeface="Roboto"/>
-                <a:hlinkClick r:id="rId6" action="ppaction://hlinkfile"/>
-              </a:rPr>
-              <a:t>User Stories</a:t>
-            </a:r>
-            <a:endParaRPr sz="1800" dirty="0">
-              <a:latin typeface="Roboto"/>
-              <a:ea typeface="Roboto"/>
-              <a:cs typeface="Roboto"/>
-              <a:sym typeface="Roboto"/>
-            </a:endParaRPr>
-          </a:p>
-        </p:txBody>
-      </p:sp>
-    </p:spTree>
-  </p:cSld>
-  <p:clrMapOvr>
-    <a:masterClrMapping/>
-  </p:clrMapOvr>
-</p:sld>
-</file>
-
-<file path=ppt/slides/slide18.xml><?xml version="1.0" encoding="utf-8"?>
-<p:sld xmlns:a="http://schemas.openxmlformats.org/drawingml/2006/main" xmlns:r="http://schemas.openxmlformats.org/officeDocument/2006/relationships" xmlns:p="http://schemas.openxmlformats.org/presentationml/2006/main">
-  <p:cSld>
-    <p:spTree>
-      <p:nvGrpSpPr>
         <p:cNvPr id="1" name="Shape 281"/>
         <p:cNvGrpSpPr/>
         <p:nvPr/>
@@ -18217,7 +17681,7 @@
                   <a:cs typeface="Francois One"/>
                   <a:sym typeface="Francois One"/>
                 </a:rPr>
-                <a:t>18</a:t>
+                <a:t>17</a:t>
               </a:fld>
               <a:endParaRPr sz="1000" b="1">
                 <a:solidFill>
@@ -18491,7 +17955,7 @@
 </p:sld>
 </file>
 
-<file path=ppt/slides/slide19.xml><?xml version="1.0" encoding="utf-8"?>
+<file path=ppt/slides/slide18.xml><?xml version="1.0" encoding="utf-8"?>
 <p:sld xmlns:a="http://schemas.openxmlformats.org/drawingml/2006/main" xmlns:r="http://schemas.openxmlformats.org/officeDocument/2006/relationships" xmlns:p="http://schemas.openxmlformats.org/presentationml/2006/main">
   <p:cSld>
     <p:spTree>
@@ -18669,7 +18133,7 @@
                   <a:cs typeface="Francois One"/>
                   <a:sym typeface="Francois One"/>
                 </a:rPr>
-                <a:t>19</a:t>
+                <a:t>18</a:t>
               </a:fld>
               <a:endParaRPr sz="1000" b="1">
                 <a:solidFill>
@@ -18960,6 +18424,603 @@
           </a:ln>
         </p:spPr>
       </p:pic>
+    </p:spTree>
+  </p:cSld>
+  <p:clrMapOvr>
+    <a:masterClrMapping/>
+  </p:clrMapOvr>
+</p:sld>
+</file>
+
+<file path=ppt/slides/slide19.xml><?xml version="1.0" encoding="utf-8"?>
+<p:sld xmlns:a="http://schemas.openxmlformats.org/drawingml/2006/main" xmlns:r="http://schemas.openxmlformats.org/officeDocument/2006/relationships" xmlns:p="http://schemas.openxmlformats.org/presentationml/2006/main">
+  <p:cSld>
+    <p:spTree>
+      <p:nvGrpSpPr>
+        <p:cNvPr id="1" name="Shape 303"/>
+        <p:cNvGrpSpPr/>
+        <p:nvPr/>
+      </p:nvGrpSpPr>
+      <p:grpSpPr>
+        <a:xfrm>
+          <a:off x="0" y="0"/>
+          <a:ext cx="0" cy="0"/>
+          <a:chOff x="0" y="0"/>
+          <a:chExt cx="0" cy="0"/>
+        </a:xfrm>
+      </p:grpSpPr>
+      <p:sp>
+        <p:nvSpPr>
+          <p:cNvPr id="304" name="Google Shape;304;p43"/>
+          <p:cNvSpPr txBox="1">
+            <a:spLocks noGrp="1"/>
+          </p:cNvSpPr>
+          <p:nvPr>
+            <p:ph type="title"/>
+          </p:nvPr>
+        </p:nvSpPr>
+        <p:spPr>
+          <a:xfrm>
+            <a:off x="311700" y="445025"/>
+            <a:ext cx="8520600" cy="572700"/>
+          </a:xfrm>
+          <a:prstGeom prst="rect">
+            <a:avLst/>
+          </a:prstGeom>
+        </p:spPr>
+        <p:txBody>
+          <a:bodyPr spcFirstLastPara="1" wrap="square" lIns="91425" tIns="91425" rIns="91425" bIns="91425" anchor="t" anchorCtr="0">
+            <a:noAutofit/>
+          </a:bodyPr>
+          <a:lstStyle/>
+          <a:p>
+            <a:pPr marL="0" lvl="0" indent="0" algn="l" rtl="0">
+              <a:spcBef>
+                <a:spcPts val="0"/>
+              </a:spcBef>
+              <a:spcAft>
+                <a:spcPts val="0"/>
+              </a:spcAft>
+              <a:buNone/>
+            </a:pPr>
+            <a:r>
+              <a:rPr lang="en-GB"/>
+              <a:t>Mobile First Development</a:t>
+            </a:r>
+            <a:endParaRPr>
+              <a:solidFill>
+                <a:srgbClr val="25326F"/>
+              </a:solidFill>
+              <a:latin typeface="Francois One"/>
+              <a:ea typeface="Francois One"/>
+              <a:cs typeface="Francois One"/>
+              <a:sym typeface="Francois One"/>
+            </a:endParaRPr>
+          </a:p>
+        </p:txBody>
+      </p:sp>
+      <p:sp>
+        <p:nvSpPr>
+          <p:cNvPr id="305" name="Google Shape;305;p43"/>
+          <p:cNvSpPr/>
+          <p:nvPr/>
+        </p:nvSpPr>
+        <p:spPr>
+          <a:xfrm>
+            <a:off x="-6215" y="0"/>
+            <a:ext cx="9162000" cy="74400"/>
+          </a:xfrm>
+          <a:prstGeom prst="rect">
+            <a:avLst/>
+          </a:prstGeom>
+          <a:solidFill>
+            <a:srgbClr val="30DDAE"/>
+          </a:solidFill>
+          <a:ln>
+            <a:noFill/>
+          </a:ln>
+        </p:spPr>
+        <p:txBody>
+          <a:bodyPr spcFirstLastPara="1" wrap="square" lIns="91425" tIns="91425" rIns="91425" bIns="91425" anchor="ctr" anchorCtr="0">
+            <a:noAutofit/>
+          </a:bodyPr>
+          <a:lstStyle/>
+          <a:p>
+            <a:pPr marL="0" lvl="0" indent="0" algn="l" rtl="0">
+              <a:spcBef>
+                <a:spcPts val="0"/>
+              </a:spcBef>
+              <a:spcAft>
+                <a:spcPts val="0"/>
+              </a:spcAft>
+              <a:buNone/>
+            </a:pPr>
+            <a:endParaRPr>
+              <a:solidFill>
+                <a:srgbClr val="30DDAE"/>
+              </a:solidFill>
+            </a:endParaRPr>
+          </a:p>
+        </p:txBody>
+      </p:sp>
+      <p:grpSp>
+        <p:nvGrpSpPr>
+          <p:cNvPr id="306" name="Google Shape;306;p43"/>
+          <p:cNvGrpSpPr/>
+          <p:nvPr/>
+        </p:nvGrpSpPr>
+        <p:grpSpPr>
+          <a:xfrm>
+            <a:off x="7984201" y="4195474"/>
+            <a:ext cx="884557" cy="861343"/>
+            <a:chOff x="7984201" y="4195474"/>
+            <a:chExt cx="884557" cy="861343"/>
+          </a:xfrm>
+        </p:grpSpPr>
+        <p:sp>
+          <p:nvSpPr>
+            <p:cNvPr id="307" name="Google Shape;307;p43"/>
+            <p:cNvSpPr txBox="1"/>
+            <p:nvPr/>
+          </p:nvSpPr>
+          <p:spPr>
+            <a:xfrm>
+              <a:off x="8320058" y="4663217"/>
+              <a:ext cx="548700" cy="393600"/>
+            </a:xfrm>
+            <a:prstGeom prst="rect">
+              <a:avLst/>
+            </a:prstGeom>
+            <a:noFill/>
+            <a:ln>
+              <a:noFill/>
+            </a:ln>
+          </p:spPr>
+          <p:txBody>
+            <a:bodyPr spcFirstLastPara="1" wrap="square" lIns="91425" tIns="91425" rIns="91425" bIns="91425" anchor="ctr" anchorCtr="0">
+              <a:noAutofit/>
+            </a:bodyPr>
+            <a:lstStyle/>
+            <a:p>
+              <a:pPr marL="0" lvl="0" indent="0" algn="r" rtl="0">
+                <a:spcBef>
+                  <a:spcPts val="0"/>
+                </a:spcBef>
+                <a:spcAft>
+                  <a:spcPts val="0"/>
+                </a:spcAft>
+                <a:buNone/>
+              </a:pPr>
+              <a:fld id="{00000000-1234-1234-1234-123412341234}" type="slidenum">
+                <a:rPr lang="en-GB" sz="1000" b="1">
+                  <a:solidFill>
+                    <a:srgbClr val="032F62"/>
+                  </a:solidFill>
+                  <a:latin typeface="Francois One"/>
+                  <a:ea typeface="Francois One"/>
+                  <a:cs typeface="Francois One"/>
+                  <a:sym typeface="Francois One"/>
+                </a:rPr>
+                <a:t>19</a:t>
+              </a:fld>
+              <a:endParaRPr sz="1000" b="1">
+                <a:solidFill>
+                  <a:srgbClr val="032F62"/>
+                </a:solidFill>
+                <a:latin typeface="Francois One"/>
+                <a:ea typeface="Francois One"/>
+                <a:cs typeface="Francois One"/>
+                <a:sym typeface="Francois One"/>
+              </a:endParaRPr>
+            </a:p>
+          </p:txBody>
+        </p:sp>
+        <p:pic>
+          <p:nvPicPr>
+            <p:cNvPr id="308" name="Google Shape;308;p43"/>
+            <p:cNvPicPr preferRelativeResize="0"/>
+            <p:nvPr/>
+          </p:nvPicPr>
+          <p:blipFill rotWithShape="1">
+            <a:blip r:embed="rId3">
+              <a:alphaModFix/>
+            </a:blip>
+            <a:srcRect b="19478"/>
+            <a:stretch/>
+          </p:blipFill>
+          <p:spPr>
+            <a:xfrm>
+              <a:off x="7984201" y="4195474"/>
+              <a:ext cx="757577" cy="753053"/>
+            </a:xfrm>
+            <a:prstGeom prst="rect">
+              <a:avLst/>
+            </a:prstGeom>
+            <a:noFill/>
+            <a:ln>
+              <a:noFill/>
+            </a:ln>
+          </p:spPr>
+        </p:pic>
+      </p:grpSp>
+      <p:sp>
+        <p:nvSpPr>
+          <p:cNvPr id="309" name="Google Shape;309;p43"/>
+          <p:cNvSpPr txBox="1"/>
+          <p:nvPr/>
+        </p:nvSpPr>
+        <p:spPr>
+          <a:xfrm>
+            <a:off x="471900" y="1157075"/>
+            <a:ext cx="8360400" cy="2710200"/>
+          </a:xfrm>
+          <a:prstGeom prst="rect">
+            <a:avLst/>
+          </a:prstGeom>
+          <a:noFill/>
+          <a:ln>
+            <a:noFill/>
+          </a:ln>
+        </p:spPr>
+        <p:txBody>
+          <a:bodyPr spcFirstLastPara="1" wrap="square" lIns="91425" tIns="91425" rIns="91425" bIns="91425" anchor="t" anchorCtr="0">
+            <a:noAutofit/>
+          </a:bodyPr>
+          <a:lstStyle/>
+          <a:p>
+            <a:pPr marL="457200" lvl="0" indent="-330200" algn="l" rtl="0">
+              <a:lnSpc>
+                <a:spcPct val="115000"/>
+              </a:lnSpc>
+              <a:spcBef>
+                <a:spcPts val="0"/>
+              </a:spcBef>
+              <a:spcAft>
+                <a:spcPts val="0"/>
+              </a:spcAft>
+              <a:buClr>
+                <a:schemeClr val="dk2"/>
+              </a:buClr>
+              <a:buSzPts val="1600"/>
+              <a:buFont typeface="Roboto"/>
+              <a:buChar char="●"/>
+            </a:pPr>
+            <a:r>
+              <a:rPr lang="en-GB" sz="1600">
+                <a:solidFill>
+                  <a:schemeClr val="dk2"/>
+                </a:solidFill>
+                <a:latin typeface="Roboto"/>
+                <a:ea typeface="Roboto"/>
+                <a:cs typeface="Roboto"/>
+                <a:sym typeface="Roboto"/>
+              </a:rPr>
+              <a:t>As more and more users are accessing the internet on their phone, it is important to ensure that websites are functional and user friendly when viewed on a phone</a:t>
+            </a:r>
+            <a:endParaRPr sz="1600">
+              <a:solidFill>
+                <a:schemeClr val="dk2"/>
+              </a:solidFill>
+              <a:latin typeface="Roboto"/>
+              <a:ea typeface="Roboto"/>
+              <a:cs typeface="Roboto"/>
+              <a:sym typeface="Roboto"/>
+            </a:endParaRPr>
+          </a:p>
+          <a:p>
+            <a:pPr marL="457200" lvl="0" indent="0" algn="l" rtl="0">
+              <a:lnSpc>
+                <a:spcPct val="115000"/>
+              </a:lnSpc>
+              <a:spcBef>
+                <a:spcPts val="0"/>
+              </a:spcBef>
+              <a:spcAft>
+                <a:spcPts val="0"/>
+              </a:spcAft>
+              <a:buNone/>
+            </a:pPr>
+            <a:endParaRPr sz="1600">
+              <a:solidFill>
+                <a:schemeClr val="dk2"/>
+              </a:solidFill>
+              <a:latin typeface="Roboto"/>
+              <a:ea typeface="Roboto"/>
+              <a:cs typeface="Roboto"/>
+              <a:sym typeface="Roboto"/>
+            </a:endParaRPr>
+          </a:p>
+          <a:p>
+            <a:pPr marL="457200" lvl="0" indent="-330200" algn="l" rtl="0">
+              <a:lnSpc>
+                <a:spcPct val="115000"/>
+              </a:lnSpc>
+              <a:spcBef>
+                <a:spcPts val="0"/>
+              </a:spcBef>
+              <a:spcAft>
+                <a:spcPts val="0"/>
+              </a:spcAft>
+              <a:buClr>
+                <a:schemeClr val="dk2"/>
+              </a:buClr>
+              <a:buSzPts val="1600"/>
+              <a:buFont typeface="Roboto"/>
+              <a:buChar char="●"/>
+            </a:pPr>
+            <a:r>
+              <a:rPr lang="en-GB" sz="1600">
+                <a:solidFill>
+                  <a:schemeClr val="dk2"/>
+                </a:solidFill>
+                <a:latin typeface="Roboto"/>
+                <a:ea typeface="Roboto"/>
+                <a:cs typeface="Roboto"/>
+                <a:sym typeface="Roboto"/>
+              </a:rPr>
+              <a:t>The term </a:t>
+            </a:r>
+            <a:r>
+              <a:rPr lang="en-GB" sz="1600" b="1">
+                <a:solidFill>
+                  <a:srgbClr val="980000"/>
+                </a:solidFill>
+                <a:latin typeface="Roboto"/>
+                <a:ea typeface="Roboto"/>
+                <a:cs typeface="Roboto"/>
+                <a:sym typeface="Roboto"/>
+              </a:rPr>
+              <a:t>mobile first design</a:t>
+            </a:r>
+            <a:r>
+              <a:rPr lang="en-GB" sz="1600">
+                <a:solidFill>
+                  <a:schemeClr val="dk2"/>
+                </a:solidFill>
+                <a:latin typeface="Roboto"/>
+                <a:ea typeface="Roboto"/>
+                <a:cs typeface="Roboto"/>
+                <a:sym typeface="Roboto"/>
+              </a:rPr>
+              <a:t> refers to creating a website specifically for a phone before considering how it should look and function on a desktop</a:t>
+            </a:r>
+            <a:endParaRPr sz="1600">
+              <a:solidFill>
+                <a:schemeClr val="dk2"/>
+              </a:solidFill>
+              <a:latin typeface="Roboto"/>
+              <a:ea typeface="Roboto"/>
+              <a:cs typeface="Roboto"/>
+              <a:sym typeface="Roboto"/>
+            </a:endParaRPr>
+          </a:p>
+          <a:p>
+            <a:pPr marL="914400" lvl="1" indent="-330200" algn="l" rtl="0">
+              <a:lnSpc>
+                <a:spcPct val="115000"/>
+              </a:lnSpc>
+              <a:spcBef>
+                <a:spcPts val="0"/>
+              </a:spcBef>
+              <a:spcAft>
+                <a:spcPts val="0"/>
+              </a:spcAft>
+              <a:buClr>
+                <a:schemeClr val="dk2"/>
+              </a:buClr>
+              <a:buSzPts val="1600"/>
+              <a:buFont typeface="Roboto"/>
+              <a:buChar char="○"/>
+            </a:pPr>
+            <a:r>
+              <a:rPr lang="en-GB" sz="1600">
+                <a:solidFill>
+                  <a:schemeClr val="dk2"/>
+                </a:solidFill>
+                <a:latin typeface="Roboto"/>
+                <a:ea typeface="Roboto"/>
+                <a:cs typeface="Roboto"/>
+                <a:sym typeface="Roboto"/>
+              </a:rPr>
+              <a:t>Why do you think </a:t>
+            </a:r>
+            <a:r>
+              <a:rPr lang="en-GB" sz="1600" b="1">
+                <a:solidFill>
+                  <a:srgbClr val="980000"/>
+                </a:solidFill>
+                <a:latin typeface="Roboto"/>
+                <a:ea typeface="Roboto"/>
+                <a:cs typeface="Roboto"/>
+                <a:sym typeface="Roboto"/>
+              </a:rPr>
+              <a:t>mobile first design</a:t>
+            </a:r>
+            <a:r>
+              <a:rPr lang="en-GB" sz="1600">
+                <a:solidFill>
+                  <a:schemeClr val="dk2"/>
+                </a:solidFill>
+                <a:latin typeface="Roboto"/>
+                <a:ea typeface="Roboto"/>
+                <a:cs typeface="Roboto"/>
+                <a:sym typeface="Roboto"/>
+              </a:rPr>
+              <a:t> is becoming more popular?</a:t>
+            </a:r>
+            <a:endParaRPr sz="1600">
+              <a:solidFill>
+                <a:schemeClr val="dk2"/>
+              </a:solidFill>
+              <a:latin typeface="Roboto"/>
+              <a:ea typeface="Roboto"/>
+              <a:cs typeface="Roboto"/>
+              <a:sym typeface="Roboto"/>
+            </a:endParaRPr>
+          </a:p>
+          <a:p>
+            <a:pPr marL="457200" lvl="0" indent="0" algn="l" rtl="0">
+              <a:lnSpc>
+                <a:spcPct val="115000"/>
+              </a:lnSpc>
+              <a:spcBef>
+                <a:spcPts val="0"/>
+              </a:spcBef>
+              <a:spcAft>
+                <a:spcPts val="0"/>
+              </a:spcAft>
+              <a:buNone/>
+            </a:pPr>
+            <a:endParaRPr sz="1600">
+              <a:solidFill>
+                <a:schemeClr val="dk2"/>
+              </a:solidFill>
+              <a:latin typeface="Roboto"/>
+              <a:ea typeface="Roboto"/>
+              <a:cs typeface="Roboto"/>
+              <a:sym typeface="Roboto"/>
+            </a:endParaRPr>
+          </a:p>
+          <a:p>
+            <a:pPr marL="457200" lvl="0" indent="-330200" algn="l" rtl="0">
+              <a:lnSpc>
+                <a:spcPct val="115000"/>
+              </a:lnSpc>
+              <a:spcBef>
+                <a:spcPts val="0"/>
+              </a:spcBef>
+              <a:spcAft>
+                <a:spcPts val="0"/>
+              </a:spcAft>
+              <a:buClr>
+                <a:schemeClr val="dk2"/>
+              </a:buClr>
+              <a:buSzPts val="1600"/>
+              <a:buFont typeface="Roboto"/>
+              <a:buChar char="●"/>
+            </a:pPr>
+            <a:r>
+              <a:rPr lang="en-GB" sz="1600">
+                <a:solidFill>
+                  <a:schemeClr val="dk2"/>
+                </a:solidFill>
+                <a:latin typeface="Roboto"/>
+                <a:ea typeface="Roboto"/>
+                <a:cs typeface="Roboto"/>
+                <a:sym typeface="Roboto"/>
+              </a:rPr>
+              <a:t>Our </a:t>
+            </a:r>
+            <a:r>
+              <a:rPr lang="en-GB" sz="1600" b="1">
+                <a:solidFill>
+                  <a:srgbClr val="980000"/>
+                </a:solidFill>
+                <a:latin typeface="Roboto"/>
+                <a:ea typeface="Roboto"/>
+                <a:cs typeface="Roboto"/>
+                <a:sym typeface="Roboto"/>
+              </a:rPr>
+              <a:t>user story</a:t>
+            </a:r>
+            <a:r>
+              <a:rPr lang="en-GB" sz="1600">
+                <a:solidFill>
+                  <a:schemeClr val="dk2"/>
+                </a:solidFill>
+                <a:latin typeface="Roboto"/>
+                <a:ea typeface="Roboto"/>
+                <a:cs typeface="Roboto"/>
+                <a:sym typeface="Roboto"/>
+              </a:rPr>
+              <a:t> refers specifically to viewing the timetable on a phone, therefore, we will be designing our prototype to fit on a phone</a:t>
+            </a:r>
+            <a:endParaRPr sz="1600">
+              <a:solidFill>
+                <a:schemeClr val="dk2"/>
+              </a:solidFill>
+              <a:latin typeface="Roboto"/>
+              <a:ea typeface="Roboto"/>
+              <a:cs typeface="Roboto"/>
+              <a:sym typeface="Roboto"/>
+            </a:endParaRPr>
+          </a:p>
+          <a:p>
+            <a:pPr marL="0" lvl="0" indent="0" algn="l" rtl="0">
+              <a:lnSpc>
+                <a:spcPct val="115000"/>
+              </a:lnSpc>
+              <a:spcBef>
+                <a:spcPts val="0"/>
+              </a:spcBef>
+              <a:spcAft>
+                <a:spcPts val="0"/>
+              </a:spcAft>
+              <a:buNone/>
+            </a:pPr>
+            <a:endParaRPr sz="1600">
+              <a:solidFill>
+                <a:schemeClr val="dk2"/>
+              </a:solidFill>
+              <a:latin typeface="Roboto"/>
+              <a:ea typeface="Roboto"/>
+              <a:cs typeface="Roboto"/>
+              <a:sym typeface="Roboto"/>
+            </a:endParaRPr>
+          </a:p>
+          <a:p>
+            <a:pPr marL="0" lvl="0" indent="0" algn="l" rtl="0">
+              <a:lnSpc>
+                <a:spcPct val="115000"/>
+              </a:lnSpc>
+              <a:spcBef>
+                <a:spcPts val="0"/>
+              </a:spcBef>
+              <a:spcAft>
+                <a:spcPts val="0"/>
+              </a:spcAft>
+              <a:buClr>
+                <a:schemeClr val="dk1"/>
+              </a:buClr>
+              <a:buSzPts val="1100"/>
+              <a:buFont typeface="Arial"/>
+              <a:buNone/>
+            </a:pPr>
+            <a:endParaRPr sz="1600">
+              <a:solidFill>
+                <a:schemeClr val="dk2"/>
+              </a:solidFill>
+              <a:latin typeface="Roboto"/>
+              <a:ea typeface="Roboto"/>
+              <a:cs typeface="Roboto"/>
+              <a:sym typeface="Roboto"/>
+            </a:endParaRPr>
+          </a:p>
+          <a:p>
+            <a:pPr marL="0" lvl="0" indent="0" algn="l" rtl="0">
+              <a:lnSpc>
+                <a:spcPct val="115000"/>
+              </a:lnSpc>
+              <a:spcBef>
+                <a:spcPts val="0"/>
+              </a:spcBef>
+              <a:spcAft>
+                <a:spcPts val="0"/>
+              </a:spcAft>
+              <a:buNone/>
+            </a:pPr>
+            <a:endParaRPr sz="1600">
+              <a:solidFill>
+                <a:schemeClr val="dk2"/>
+              </a:solidFill>
+              <a:latin typeface="Roboto"/>
+              <a:ea typeface="Roboto"/>
+              <a:cs typeface="Roboto"/>
+              <a:sym typeface="Roboto"/>
+            </a:endParaRPr>
+          </a:p>
+        </p:txBody>
+      </p:sp>
     </p:spTree>
   </p:cSld>
   <p:clrMapOvr>
@@ -19342,603 +19403,6 @@
   <p:cSld>
     <p:spTree>
       <p:nvGrpSpPr>
-        <p:cNvPr id="1" name="Shape 303"/>
-        <p:cNvGrpSpPr/>
-        <p:nvPr/>
-      </p:nvGrpSpPr>
-      <p:grpSpPr>
-        <a:xfrm>
-          <a:off x="0" y="0"/>
-          <a:ext cx="0" cy="0"/>
-          <a:chOff x="0" y="0"/>
-          <a:chExt cx="0" cy="0"/>
-        </a:xfrm>
-      </p:grpSpPr>
-      <p:sp>
-        <p:nvSpPr>
-          <p:cNvPr id="304" name="Google Shape;304;p43"/>
-          <p:cNvSpPr txBox="1">
-            <a:spLocks noGrp="1"/>
-          </p:cNvSpPr>
-          <p:nvPr>
-            <p:ph type="title"/>
-          </p:nvPr>
-        </p:nvSpPr>
-        <p:spPr>
-          <a:xfrm>
-            <a:off x="311700" y="445025"/>
-            <a:ext cx="8520600" cy="572700"/>
-          </a:xfrm>
-          <a:prstGeom prst="rect">
-            <a:avLst/>
-          </a:prstGeom>
-        </p:spPr>
-        <p:txBody>
-          <a:bodyPr spcFirstLastPara="1" wrap="square" lIns="91425" tIns="91425" rIns="91425" bIns="91425" anchor="t" anchorCtr="0">
-            <a:noAutofit/>
-          </a:bodyPr>
-          <a:lstStyle/>
-          <a:p>
-            <a:pPr marL="0" lvl="0" indent="0" algn="l" rtl="0">
-              <a:spcBef>
-                <a:spcPts val="0"/>
-              </a:spcBef>
-              <a:spcAft>
-                <a:spcPts val="0"/>
-              </a:spcAft>
-              <a:buNone/>
-            </a:pPr>
-            <a:r>
-              <a:rPr lang="en-GB"/>
-              <a:t>Mobile First Development</a:t>
-            </a:r>
-            <a:endParaRPr>
-              <a:solidFill>
-                <a:srgbClr val="25326F"/>
-              </a:solidFill>
-              <a:latin typeface="Francois One"/>
-              <a:ea typeface="Francois One"/>
-              <a:cs typeface="Francois One"/>
-              <a:sym typeface="Francois One"/>
-            </a:endParaRPr>
-          </a:p>
-        </p:txBody>
-      </p:sp>
-      <p:sp>
-        <p:nvSpPr>
-          <p:cNvPr id="305" name="Google Shape;305;p43"/>
-          <p:cNvSpPr/>
-          <p:nvPr/>
-        </p:nvSpPr>
-        <p:spPr>
-          <a:xfrm>
-            <a:off x="-6215" y="0"/>
-            <a:ext cx="9162000" cy="74400"/>
-          </a:xfrm>
-          <a:prstGeom prst="rect">
-            <a:avLst/>
-          </a:prstGeom>
-          <a:solidFill>
-            <a:srgbClr val="30DDAE"/>
-          </a:solidFill>
-          <a:ln>
-            <a:noFill/>
-          </a:ln>
-        </p:spPr>
-        <p:txBody>
-          <a:bodyPr spcFirstLastPara="1" wrap="square" lIns="91425" tIns="91425" rIns="91425" bIns="91425" anchor="ctr" anchorCtr="0">
-            <a:noAutofit/>
-          </a:bodyPr>
-          <a:lstStyle/>
-          <a:p>
-            <a:pPr marL="0" lvl="0" indent="0" algn="l" rtl="0">
-              <a:spcBef>
-                <a:spcPts val="0"/>
-              </a:spcBef>
-              <a:spcAft>
-                <a:spcPts val="0"/>
-              </a:spcAft>
-              <a:buNone/>
-            </a:pPr>
-            <a:endParaRPr>
-              <a:solidFill>
-                <a:srgbClr val="30DDAE"/>
-              </a:solidFill>
-            </a:endParaRPr>
-          </a:p>
-        </p:txBody>
-      </p:sp>
-      <p:grpSp>
-        <p:nvGrpSpPr>
-          <p:cNvPr id="306" name="Google Shape;306;p43"/>
-          <p:cNvGrpSpPr/>
-          <p:nvPr/>
-        </p:nvGrpSpPr>
-        <p:grpSpPr>
-          <a:xfrm>
-            <a:off x="7984201" y="4195474"/>
-            <a:ext cx="884557" cy="861343"/>
-            <a:chOff x="7984201" y="4195474"/>
-            <a:chExt cx="884557" cy="861343"/>
-          </a:xfrm>
-        </p:grpSpPr>
-        <p:sp>
-          <p:nvSpPr>
-            <p:cNvPr id="307" name="Google Shape;307;p43"/>
-            <p:cNvSpPr txBox="1"/>
-            <p:nvPr/>
-          </p:nvSpPr>
-          <p:spPr>
-            <a:xfrm>
-              <a:off x="8320058" y="4663217"/>
-              <a:ext cx="548700" cy="393600"/>
-            </a:xfrm>
-            <a:prstGeom prst="rect">
-              <a:avLst/>
-            </a:prstGeom>
-            <a:noFill/>
-            <a:ln>
-              <a:noFill/>
-            </a:ln>
-          </p:spPr>
-          <p:txBody>
-            <a:bodyPr spcFirstLastPara="1" wrap="square" lIns="91425" tIns="91425" rIns="91425" bIns="91425" anchor="ctr" anchorCtr="0">
-              <a:noAutofit/>
-            </a:bodyPr>
-            <a:lstStyle/>
-            <a:p>
-              <a:pPr marL="0" lvl="0" indent="0" algn="r" rtl="0">
-                <a:spcBef>
-                  <a:spcPts val="0"/>
-                </a:spcBef>
-                <a:spcAft>
-                  <a:spcPts val="0"/>
-                </a:spcAft>
-                <a:buNone/>
-              </a:pPr>
-              <a:fld id="{00000000-1234-1234-1234-123412341234}" type="slidenum">
-                <a:rPr lang="en-GB" sz="1000" b="1">
-                  <a:solidFill>
-                    <a:srgbClr val="032F62"/>
-                  </a:solidFill>
-                  <a:latin typeface="Francois One"/>
-                  <a:ea typeface="Francois One"/>
-                  <a:cs typeface="Francois One"/>
-                  <a:sym typeface="Francois One"/>
-                </a:rPr>
-                <a:t>20</a:t>
-              </a:fld>
-              <a:endParaRPr sz="1000" b="1">
-                <a:solidFill>
-                  <a:srgbClr val="032F62"/>
-                </a:solidFill>
-                <a:latin typeface="Francois One"/>
-                <a:ea typeface="Francois One"/>
-                <a:cs typeface="Francois One"/>
-                <a:sym typeface="Francois One"/>
-              </a:endParaRPr>
-            </a:p>
-          </p:txBody>
-        </p:sp>
-        <p:pic>
-          <p:nvPicPr>
-            <p:cNvPr id="308" name="Google Shape;308;p43"/>
-            <p:cNvPicPr preferRelativeResize="0"/>
-            <p:nvPr/>
-          </p:nvPicPr>
-          <p:blipFill rotWithShape="1">
-            <a:blip r:embed="rId3">
-              <a:alphaModFix/>
-            </a:blip>
-            <a:srcRect b="19478"/>
-            <a:stretch/>
-          </p:blipFill>
-          <p:spPr>
-            <a:xfrm>
-              <a:off x="7984201" y="4195474"/>
-              <a:ext cx="757577" cy="753053"/>
-            </a:xfrm>
-            <a:prstGeom prst="rect">
-              <a:avLst/>
-            </a:prstGeom>
-            <a:noFill/>
-            <a:ln>
-              <a:noFill/>
-            </a:ln>
-          </p:spPr>
-        </p:pic>
-      </p:grpSp>
-      <p:sp>
-        <p:nvSpPr>
-          <p:cNvPr id="309" name="Google Shape;309;p43"/>
-          <p:cNvSpPr txBox="1"/>
-          <p:nvPr/>
-        </p:nvSpPr>
-        <p:spPr>
-          <a:xfrm>
-            <a:off x="471900" y="1157075"/>
-            <a:ext cx="8360400" cy="2710200"/>
-          </a:xfrm>
-          <a:prstGeom prst="rect">
-            <a:avLst/>
-          </a:prstGeom>
-          <a:noFill/>
-          <a:ln>
-            <a:noFill/>
-          </a:ln>
-        </p:spPr>
-        <p:txBody>
-          <a:bodyPr spcFirstLastPara="1" wrap="square" lIns="91425" tIns="91425" rIns="91425" bIns="91425" anchor="t" anchorCtr="0">
-            <a:noAutofit/>
-          </a:bodyPr>
-          <a:lstStyle/>
-          <a:p>
-            <a:pPr marL="457200" lvl="0" indent="-330200" algn="l" rtl="0">
-              <a:lnSpc>
-                <a:spcPct val="115000"/>
-              </a:lnSpc>
-              <a:spcBef>
-                <a:spcPts val="0"/>
-              </a:spcBef>
-              <a:spcAft>
-                <a:spcPts val="0"/>
-              </a:spcAft>
-              <a:buClr>
-                <a:schemeClr val="dk2"/>
-              </a:buClr>
-              <a:buSzPts val="1600"/>
-              <a:buFont typeface="Roboto"/>
-              <a:buChar char="●"/>
-            </a:pPr>
-            <a:r>
-              <a:rPr lang="en-GB" sz="1600">
-                <a:solidFill>
-                  <a:schemeClr val="dk2"/>
-                </a:solidFill>
-                <a:latin typeface="Roboto"/>
-                <a:ea typeface="Roboto"/>
-                <a:cs typeface="Roboto"/>
-                <a:sym typeface="Roboto"/>
-              </a:rPr>
-              <a:t>As more and more users are accessing the internet on their phone, it is important to ensure that websites are functional and user friendly when viewed on a phone</a:t>
-            </a:r>
-            <a:endParaRPr sz="1600">
-              <a:solidFill>
-                <a:schemeClr val="dk2"/>
-              </a:solidFill>
-              <a:latin typeface="Roboto"/>
-              <a:ea typeface="Roboto"/>
-              <a:cs typeface="Roboto"/>
-              <a:sym typeface="Roboto"/>
-            </a:endParaRPr>
-          </a:p>
-          <a:p>
-            <a:pPr marL="457200" lvl="0" indent="0" algn="l" rtl="0">
-              <a:lnSpc>
-                <a:spcPct val="115000"/>
-              </a:lnSpc>
-              <a:spcBef>
-                <a:spcPts val="0"/>
-              </a:spcBef>
-              <a:spcAft>
-                <a:spcPts val="0"/>
-              </a:spcAft>
-              <a:buNone/>
-            </a:pPr>
-            <a:endParaRPr sz="1600">
-              <a:solidFill>
-                <a:schemeClr val="dk2"/>
-              </a:solidFill>
-              <a:latin typeface="Roboto"/>
-              <a:ea typeface="Roboto"/>
-              <a:cs typeface="Roboto"/>
-              <a:sym typeface="Roboto"/>
-            </a:endParaRPr>
-          </a:p>
-          <a:p>
-            <a:pPr marL="457200" lvl="0" indent="-330200" algn="l" rtl="0">
-              <a:lnSpc>
-                <a:spcPct val="115000"/>
-              </a:lnSpc>
-              <a:spcBef>
-                <a:spcPts val="0"/>
-              </a:spcBef>
-              <a:spcAft>
-                <a:spcPts val="0"/>
-              </a:spcAft>
-              <a:buClr>
-                <a:schemeClr val="dk2"/>
-              </a:buClr>
-              <a:buSzPts val="1600"/>
-              <a:buFont typeface="Roboto"/>
-              <a:buChar char="●"/>
-            </a:pPr>
-            <a:r>
-              <a:rPr lang="en-GB" sz="1600">
-                <a:solidFill>
-                  <a:schemeClr val="dk2"/>
-                </a:solidFill>
-                <a:latin typeface="Roboto"/>
-                <a:ea typeface="Roboto"/>
-                <a:cs typeface="Roboto"/>
-                <a:sym typeface="Roboto"/>
-              </a:rPr>
-              <a:t>The term </a:t>
-            </a:r>
-            <a:r>
-              <a:rPr lang="en-GB" sz="1600" b="1">
-                <a:solidFill>
-                  <a:srgbClr val="980000"/>
-                </a:solidFill>
-                <a:latin typeface="Roboto"/>
-                <a:ea typeface="Roboto"/>
-                <a:cs typeface="Roboto"/>
-                <a:sym typeface="Roboto"/>
-              </a:rPr>
-              <a:t>mobile first design</a:t>
-            </a:r>
-            <a:r>
-              <a:rPr lang="en-GB" sz="1600">
-                <a:solidFill>
-                  <a:schemeClr val="dk2"/>
-                </a:solidFill>
-                <a:latin typeface="Roboto"/>
-                <a:ea typeface="Roboto"/>
-                <a:cs typeface="Roboto"/>
-                <a:sym typeface="Roboto"/>
-              </a:rPr>
-              <a:t> refers to creating a website specifically for a phone before considering how it should look and function on a desktop</a:t>
-            </a:r>
-            <a:endParaRPr sz="1600">
-              <a:solidFill>
-                <a:schemeClr val="dk2"/>
-              </a:solidFill>
-              <a:latin typeface="Roboto"/>
-              <a:ea typeface="Roboto"/>
-              <a:cs typeface="Roboto"/>
-              <a:sym typeface="Roboto"/>
-            </a:endParaRPr>
-          </a:p>
-          <a:p>
-            <a:pPr marL="914400" lvl="1" indent="-330200" algn="l" rtl="0">
-              <a:lnSpc>
-                <a:spcPct val="115000"/>
-              </a:lnSpc>
-              <a:spcBef>
-                <a:spcPts val="0"/>
-              </a:spcBef>
-              <a:spcAft>
-                <a:spcPts val="0"/>
-              </a:spcAft>
-              <a:buClr>
-                <a:schemeClr val="dk2"/>
-              </a:buClr>
-              <a:buSzPts val="1600"/>
-              <a:buFont typeface="Roboto"/>
-              <a:buChar char="○"/>
-            </a:pPr>
-            <a:r>
-              <a:rPr lang="en-GB" sz="1600">
-                <a:solidFill>
-                  <a:schemeClr val="dk2"/>
-                </a:solidFill>
-                <a:latin typeface="Roboto"/>
-                <a:ea typeface="Roboto"/>
-                <a:cs typeface="Roboto"/>
-                <a:sym typeface="Roboto"/>
-              </a:rPr>
-              <a:t>Why do you think </a:t>
-            </a:r>
-            <a:r>
-              <a:rPr lang="en-GB" sz="1600" b="1">
-                <a:solidFill>
-                  <a:srgbClr val="980000"/>
-                </a:solidFill>
-                <a:latin typeface="Roboto"/>
-                <a:ea typeface="Roboto"/>
-                <a:cs typeface="Roboto"/>
-                <a:sym typeface="Roboto"/>
-              </a:rPr>
-              <a:t>mobile first design</a:t>
-            </a:r>
-            <a:r>
-              <a:rPr lang="en-GB" sz="1600">
-                <a:solidFill>
-                  <a:schemeClr val="dk2"/>
-                </a:solidFill>
-                <a:latin typeface="Roboto"/>
-                <a:ea typeface="Roboto"/>
-                <a:cs typeface="Roboto"/>
-                <a:sym typeface="Roboto"/>
-              </a:rPr>
-              <a:t> is becoming more popular?</a:t>
-            </a:r>
-            <a:endParaRPr sz="1600">
-              <a:solidFill>
-                <a:schemeClr val="dk2"/>
-              </a:solidFill>
-              <a:latin typeface="Roboto"/>
-              <a:ea typeface="Roboto"/>
-              <a:cs typeface="Roboto"/>
-              <a:sym typeface="Roboto"/>
-            </a:endParaRPr>
-          </a:p>
-          <a:p>
-            <a:pPr marL="457200" lvl="0" indent="0" algn="l" rtl="0">
-              <a:lnSpc>
-                <a:spcPct val="115000"/>
-              </a:lnSpc>
-              <a:spcBef>
-                <a:spcPts val="0"/>
-              </a:spcBef>
-              <a:spcAft>
-                <a:spcPts val="0"/>
-              </a:spcAft>
-              <a:buNone/>
-            </a:pPr>
-            <a:endParaRPr sz="1600">
-              <a:solidFill>
-                <a:schemeClr val="dk2"/>
-              </a:solidFill>
-              <a:latin typeface="Roboto"/>
-              <a:ea typeface="Roboto"/>
-              <a:cs typeface="Roboto"/>
-              <a:sym typeface="Roboto"/>
-            </a:endParaRPr>
-          </a:p>
-          <a:p>
-            <a:pPr marL="457200" lvl="0" indent="-330200" algn="l" rtl="0">
-              <a:lnSpc>
-                <a:spcPct val="115000"/>
-              </a:lnSpc>
-              <a:spcBef>
-                <a:spcPts val="0"/>
-              </a:spcBef>
-              <a:spcAft>
-                <a:spcPts val="0"/>
-              </a:spcAft>
-              <a:buClr>
-                <a:schemeClr val="dk2"/>
-              </a:buClr>
-              <a:buSzPts val="1600"/>
-              <a:buFont typeface="Roboto"/>
-              <a:buChar char="●"/>
-            </a:pPr>
-            <a:r>
-              <a:rPr lang="en-GB" sz="1600">
-                <a:solidFill>
-                  <a:schemeClr val="dk2"/>
-                </a:solidFill>
-                <a:latin typeface="Roboto"/>
-                <a:ea typeface="Roboto"/>
-                <a:cs typeface="Roboto"/>
-                <a:sym typeface="Roboto"/>
-              </a:rPr>
-              <a:t>Our </a:t>
-            </a:r>
-            <a:r>
-              <a:rPr lang="en-GB" sz="1600" b="1">
-                <a:solidFill>
-                  <a:srgbClr val="980000"/>
-                </a:solidFill>
-                <a:latin typeface="Roboto"/>
-                <a:ea typeface="Roboto"/>
-                <a:cs typeface="Roboto"/>
-                <a:sym typeface="Roboto"/>
-              </a:rPr>
-              <a:t>user story</a:t>
-            </a:r>
-            <a:r>
-              <a:rPr lang="en-GB" sz="1600">
-                <a:solidFill>
-                  <a:schemeClr val="dk2"/>
-                </a:solidFill>
-                <a:latin typeface="Roboto"/>
-                <a:ea typeface="Roboto"/>
-                <a:cs typeface="Roboto"/>
-                <a:sym typeface="Roboto"/>
-              </a:rPr>
-              <a:t> refers specifically to viewing the timetable on a phone, therefore, we will be designing our prototype to fit on a phone</a:t>
-            </a:r>
-            <a:endParaRPr sz="1600">
-              <a:solidFill>
-                <a:schemeClr val="dk2"/>
-              </a:solidFill>
-              <a:latin typeface="Roboto"/>
-              <a:ea typeface="Roboto"/>
-              <a:cs typeface="Roboto"/>
-              <a:sym typeface="Roboto"/>
-            </a:endParaRPr>
-          </a:p>
-          <a:p>
-            <a:pPr marL="0" lvl="0" indent="0" algn="l" rtl="0">
-              <a:lnSpc>
-                <a:spcPct val="115000"/>
-              </a:lnSpc>
-              <a:spcBef>
-                <a:spcPts val="0"/>
-              </a:spcBef>
-              <a:spcAft>
-                <a:spcPts val="0"/>
-              </a:spcAft>
-              <a:buNone/>
-            </a:pPr>
-            <a:endParaRPr sz="1600">
-              <a:solidFill>
-                <a:schemeClr val="dk2"/>
-              </a:solidFill>
-              <a:latin typeface="Roboto"/>
-              <a:ea typeface="Roboto"/>
-              <a:cs typeface="Roboto"/>
-              <a:sym typeface="Roboto"/>
-            </a:endParaRPr>
-          </a:p>
-          <a:p>
-            <a:pPr marL="0" lvl="0" indent="0" algn="l" rtl="0">
-              <a:lnSpc>
-                <a:spcPct val="115000"/>
-              </a:lnSpc>
-              <a:spcBef>
-                <a:spcPts val="0"/>
-              </a:spcBef>
-              <a:spcAft>
-                <a:spcPts val="0"/>
-              </a:spcAft>
-              <a:buClr>
-                <a:schemeClr val="dk1"/>
-              </a:buClr>
-              <a:buSzPts val="1100"/>
-              <a:buFont typeface="Arial"/>
-              <a:buNone/>
-            </a:pPr>
-            <a:endParaRPr sz="1600">
-              <a:solidFill>
-                <a:schemeClr val="dk2"/>
-              </a:solidFill>
-              <a:latin typeface="Roboto"/>
-              <a:ea typeface="Roboto"/>
-              <a:cs typeface="Roboto"/>
-              <a:sym typeface="Roboto"/>
-            </a:endParaRPr>
-          </a:p>
-          <a:p>
-            <a:pPr marL="0" lvl="0" indent="0" algn="l" rtl="0">
-              <a:lnSpc>
-                <a:spcPct val="115000"/>
-              </a:lnSpc>
-              <a:spcBef>
-                <a:spcPts val="0"/>
-              </a:spcBef>
-              <a:spcAft>
-                <a:spcPts val="0"/>
-              </a:spcAft>
-              <a:buNone/>
-            </a:pPr>
-            <a:endParaRPr sz="1600">
-              <a:solidFill>
-                <a:schemeClr val="dk2"/>
-              </a:solidFill>
-              <a:latin typeface="Roboto"/>
-              <a:ea typeface="Roboto"/>
-              <a:cs typeface="Roboto"/>
-              <a:sym typeface="Roboto"/>
-            </a:endParaRPr>
-          </a:p>
-        </p:txBody>
-      </p:sp>
-    </p:spTree>
-  </p:cSld>
-  <p:clrMapOvr>
-    <a:masterClrMapping/>
-  </p:clrMapOvr>
-</p:sld>
-</file>
-
-<file path=ppt/slides/slide21.xml><?xml version="1.0" encoding="utf-8"?>
-<p:sld xmlns:a="http://schemas.openxmlformats.org/drawingml/2006/main" xmlns:r="http://schemas.openxmlformats.org/officeDocument/2006/relationships" xmlns:p="http://schemas.openxmlformats.org/presentationml/2006/main">
-  <p:cSld>
-    <p:spTree>
-      <p:nvGrpSpPr>
         <p:cNvPr id="1" name="Shape 313"/>
         <p:cNvGrpSpPr/>
         <p:nvPr/>
@@ -20103,7 +19567,7 @@
                   <a:cs typeface="Francois One"/>
                   <a:sym typeface="Francois One"/>
                 </a:rPr>
-                <a:t>21</a:t>
+                <a:t>20</a:t>
               </a:fld>
               <a:endParaRPr sz="1000" b="1">
                 <a:solidFill>
@@ -20181,7 +19645,7 @@
 </p:sld>
 </file>
 
-<file path=ppt/slides/slide22.xml><?xml version="1.0" encoding="utf-8"?>
+<file path=ppt/slides/slide21.xml><?xml version="1.0" encoding="utf-8"?>
 <p:sld xmlns:a="http://schemas.openxmlformats.org/drawingml/2006/main" xmlns:r="http://schemas.openxmlformats.org/officeDocument/2006/relationships" xmlns:p="http://schemas.openxmlformats.org/presentationml/2006/main">
   <p:cSld>
     <p:spTree>
@@ -20234,9 +19698,13 @@
             </a:pPr>
             <a:r>
               <a:rPr lang="en-GB"/>
-              <a:t>Activity 06.02 - Create a Paper Prototype</a:t>
+              <a:t>Activity 06.02 - </a:t>
             </a:r>
-            <a:endParaRPr/>
+            <a:r>
+              <a:rPr lang="en-GB" dirty="0"/>
+              <a:t>Create a Paper Prototype</a:t>
+            </a:r>
+            <a:endParaRPr dirty="0"/>
           </a:p>
         </p:txBody>
       </p:sp>
@@ -20393,7 +19861,7 @@
                   <a:cs typeface="Francois One"/>
                   <a:sym typeface="Francois One"/>
                 </a:rPr>
-                <a:t>22</a:t>
+                <a:t>21</a:t>
               </a:fld>
               <a:endParaRPr sz="1000" b="1">
                 <a:solidFill>
@@ -20479,7 +19947,7 @@
                 <a:cs typeface="Roboto"/>
                 <a:sym typeface="Roboto"/>
               </a:rPr>
-              <a:t>Complete Repl.it Activity:</a:t>
+              <a:t>Complete Activity:</a:t>
             </a:r>
             <a:br>
               <a:rPr lang="en-GB" sz="1800" dirty="0">
@@ -20498,9 +19966,35 @@
                 <a:ea typeface="Roboto"/>
                 <a:cs typeface="Roboto"/>
                 <a:sym typeface="Roboto"/>
-                <a:hlinkClick r:id="rId4" action="ppaction://hlinkfile"/>
+                <a:hlinkClick r:id="rId4"/>
               </a:rPr>
-              <a:t>06.02 - Paper Prototypes</a:t>
+              <a:t>06.02 </a:t>
+            </a:r>
+            <a:r>
+              <a:rPr lang="en-GB" sz="1800" u="sng" dirty="0">
+                <a:solidFill>
+                  <a:schemeClr val="hlink"/>
+                </a:solidFill>
+                <a:latin typeface="Roboto"/>
+                <a:ea typeface="Roboto"/>
+                <a:cs typeface="Roboto"/>
+                <a:sym typeface="Roboto"/>
+                <a:hlinkClick r:id="rId4"/>
+              </a:rPr>
+              <a:t>-</a:t>
+            </a:r>
+            <a:r>
+              <a:rPr lang="en-GB" sz="1800" u="sng" dirty="0">
+                <a:solidFill>
+                  <a:schemeClr val="hlink"/>
+                </a:solidFill>
+                <a:latin typeface="Roboto"/>
+                <a:ea typeface="Roboto"/>
+                <a:cs typeface="Roboto"/>
+                <a:sym typeface="Roboto"/>
+                <a:hlinkClick r:id="rId4"/>
+              </a:rPr>
+              <a:t> Paper Prototypes</a:t>
             </a:r>
             <a:endParaRPr sz="1800" dirty="0">
               <a:latin typeface="Roboto"/>
@@ -20553,7 +20047,7 @@
 </p:sld>
 </file>
 
-<file path=ppt/slides/slide23.xml><?xml version="1.0" encoding="utf-8"?>
+<file path=ppt/slides/slide22.xml><?xml version="1.0" encoding="utf-8"?>
 <p:sld xmlns:a="http://schemas.openxmlformats.org/drawingml/2006/main" xmlns:r="http://schemas.openxmlformats.org/officeDocument/2006/relationships" xmlns:p="http://schemas.openxmlformats.org/presentationml/2006/main">
   <p:cSld>
     <p:spTree>
@@ -20736,7 +20230,7 @@
                   <a:cs typeface="Francois One"/>
                   <a:sym typeface="Francois One"/>
                 </a:rPr>
-                <a:t>23</a:t>
+                <a:t>22</a:t>
               </a:fld>
               <a:endParaRPr sz="1000" b="1">
                 <a:solidFill>
@@ -20896,7 +20390,7 @@
 </p:sld>
 </file>
 
-<file path=ppt/slides/slide24.xml><?xml version="1.0" encoding="utf-8"?>
+<file path=ppt/slides/slide23.xml><?xml version="1.0" encoding="utf-8"?>
 <p:sld xmlns:a="http://schemas.openxmlformats.org/drawingml/2006/main" xmlns:r="http://schemas.openxmlformats.org/officeDocument/2006/relationships" xmlns:p="http://schemas.openxmlformats.org/presentationml/2006/main">
   <p:cSld>
     <p:spTree>
@@ -21239,7 +20733,7 @@
                   <a:cs typeface="Francois One"/>
                   <a:sym typeface="Francois One"/>
                 </a:rPr>
-                <a:t>24</a:t>
+                <a:t>23</a:t>
               </a:fld>
               <a:endParaRPr sz="1000" b="1">
                 <a:solidFill>
@@ -21289,7 +20783,7 @@
 </p:sld>
 </file>
 
-<file path=ppt/slides/slide25.xml><?xml version="1.0" encoding="utf-8"?>
+<file path=ppt/slides/slide24.xml><?xml version="1.0" encoding="utf-8"?>
 <p:sld xmlns:a="http://schemas.openxmlformats.org/drawingml/2006/main" xmlns:r="http://schemas.openxmlformats.org/officeDocument/2006/relationships" xmlns:p="http://schemas.openxmlformats.org/presentationml/2006/main">
   <p:cSld>
     <p:spTree>
@@ -21619,7 +21113,7 @@
                   <a:cs typeface="Francois One"/>
                   <a:sym typeface="Francois One"/>
                 </a:rPr>
-                <a:t>25</a:t>
+                <a:t>24</a:t>
               </a:fld>
               <a:endParaRPr sz="1000" b="1">
                 <a:solidFill>
@@ -21669,7 +21163,7 @@
 </p:sld>
 </file>
 
-<file path=ppt/slides/slide26.xml><?xml version="1.0" encoding="utf-8"?>
+<file path=ppt/slides/slide25.xml><?xml version="1.0" encoding="utf-8"?>
 <p:sld xmlns:a="http://schemas.openxmlformats.org/drawingml/2006/main" xmlns:r="http://schemas.openxmlformats.org/officeDocument/2006/relationships" xmlns:p="http://schemas.openxmlformats.org/presentationml/2006/main">
   <p:cSld>
     <p:spTree>
@@ -22302,7 +21796,7 @@
                   <a:cs typeface="Francois One"/>
                   <a:sym typeface="Francois One"/>
                 </a:rPr>
-                <a:t>26</a:t>
+                <a:t>25</a:t>
               </a:fld>
               <a:endParaRPr sz="1000" b="1">
                 <a:solidFill>
